--- a/Final Project Presentation.pptx
+++ b/Final Project Presentation.pptx
@@ -5,10 +5,10 @@
     <p:sldMasterId id="2147483648" r:id="rId1"/>
   </p:sldMasterIdLst>
   <p:notesMasterIdLst>
-    <p:notesMasterId r:id="rId17"/>
+    <p:notesMasterId r:id="rId21"/>
   </p:notesMasterIdLst>
   <p:handoutMasterIdLst>
-    <p:handoutMasterId r:id="rId18"/>
+    <p:handoutMasterId r:id="rId22"/>
   </p:handoutMasterIdLst>
   <p:sldIdLst>
     <p:sldId id="256" r:id="rId2"/>
@@ -22,10 +22,14 @@
     <p:sldId id="284" r:id="rId10"/>
     <p:sldId id="285" r:id="rId11"/>
     <p:sldId id="286" r:id="rId12"/>
-    <p:sldId id="282" r:id="rId13"/>
-    <p:sldId id="266" r:id="rId14"/>
-    <p:sldId id="279" r:id="rId15"/>
-    <p:sldId id="280" r:id="rId16"/>
+    <p:sldId id="287" r:id="rId13"/>
+    <p:sldId id="288" r:id="rId14"/>
+    <p:sldId id="282" r:id="rId15"/>
+    <p:sldId id="289" r:id="rId16"/>
+    <p:sldId id="257" r:id="rId17"/>
+    <p:sldId id="258" r:id="rId18"/>
+    <p:sldId id="279" r:id="rId19"/>
+    <p:sldId id="280" r:id="rId20"/>
   </p:sldIdLst>
   <p:sldSz cx="12192000" cy="6858000"/>
   <p:notesSz cx="6858000" cy="9144000"/>
@@ -237,7 +241,7 @@
           <a:p>
             <a:fld id="{EF1077DB-935E-4A0A-947A-D283B9F9F452}" type="datetimeFigureOut">
               <a:rPr lang="en-ZA" smtClean="0"/>
-              <a:t>2019/02/10</a:t>
+              <a:t>2019/02/11</a:t>
             </a:fld>
             <a:endParaRPr lang="en-ZA" dirty="0"/>
           </a:p>
@@ -414,7 +418,7 @@
           <a:p>
             <a:fld id="{19EDBDA2-4480-4D82-8886-1B64A7ECBBAC}" type="datetimeFigureOut">
               <a:rPr lang="en-ZA" smtClean="0"/>
-              <a:t>2019/02/10</a:t>
+              <a:t>2019/02/11</a:t>
             </a:fld>
             <a:endParaRPr lang="en-ZA" dirty="0"/>
           </a:p>
@@ -750,7 +754,7 @@
           <a:p>
             <a:fld id="{EFDDBACE-0F8F-43FD-98F0-DEE13552DADA}" type="slidenum">
               <a:rPr lang="en-ZA" smtClean="0"/>
-              <a:t>3</a:t>
+              <a:t>2</a:t>
             </a:fld>
             <a:endParaRPr lang="en-ZA" dirty="0"/>
           </a:p>
@@ -759,7 +763,7 @@
     </p:spTree>
     <p:extLst>
       <p:ext uri="{BB962C8B-B14F-4D97-AF65-F5344CB8AC3E}">
-        <p14:creationId xmlns:p14="http://schemas.microsoft.com/office/powerpoint/2010/main" val="203002632"/>
+        <p14:creationId xmlns:p14="http://schemas.microsoft.com/office/powerpoint/2010/main" val="667456627"/>
       </p:ext>
     </p:extLst>
   </p:cSld>
@@ -815,7 +819,16 @@
           <a:p>
             <a:r>
               <a:rPr lang="en-US" dirty="0"/>
-              <a:t>ELISA</a:t>
+              <a:t>ERICA</a:t>
+            </a:r>
+          </a:p>
+          <a:p>
+            <a:endParaRPr lang="en-US" dirty="0"/>
+          </a:p>
+          <a:p>
+            <a:r>
+              <a:rPr lang="en-US" dirty="0"/>
+              <a:t>Additional descriptive exploration for potential relationships between features</a:t>
             </a:r>
           </a:p>
         </p:txBody>
@@ -837,7 +850,7 @@
           <a:p>
             <a:fld id="{EFDDBACE-0F8F-43FD-98F0-DEE13552DADA}" type="slidenum">
               <a:rPr lang="en-ZA" smtClean="0"/>
-              <a:t>12</a:t>
+              <a:t>11</a:t>
             </a:fld>
             <a:endParaRPr lang="en-ZA" dirty="0"/>
           </a:p>
@@ -846,7 +859,7 @@
     </p:spTree>
     <p:extLst>
       <p:ext uri="{BB962C8B-B14F-4D97-AF65-F5344CB8AC3E}">
-        <p14:creationId xmlns:p14="http://schemas.microsoft.com/office/powerpoint/2010/main" val="1094533114"/>
+        <p14:creationId xmlns:p14="http://schemas.microsoft.com/office/powerpoint/2010/main" val="1305503430"/>
       </p:ext>
     </p:extLst>
   </p:cSld>
@@ -900,7 +913,10 @@
           <a:bodyPr/>
           <a:lstStyle/>
           <a:p>
-            <a:endParaRPr lang="en-US" dirty="0"/>
+            <a:r>
+              <a:rPr lang="en-US" dirty="0"/>
+              <a:t>TED</a:t>
+            </a:r>
           </a:p>
         </p:txBody>
       </p:sp>
@@ -921,7 +937,7 @@
           <a:p>
             <a:fld id="{EFDDBACE-0F8F-43FD-98F0-DEE13552DADA}" type="slidenum">
               <a:rPr lang="en-ZA" smtClean="0"/>
-              <a:t>14</a:t>
+              <a:t>12</a:t>
             </a:fld>
             <a:endParaRPr lang="en-ZA" dirty="0"/>
           </a:p>
@@ -930,7 +946,7 @@
     </p:spTree>
     <p:extLst>
       <p:ext uri="{BB962C8B-B14F-4D97-AF65-F5344CB8AC3E}">
-        <p14:creationId xmlns:p14="http://schemas.microsoft.com/office/powerpoint/2010/main" val="3992820385"/>
+        <p14:creationId xmlns:p14="http://schemas.microsoft.com/office/powerpoint/2010/main" val="1934949870"/>
       </p:ext>
     </p:extLst>
   </p:cSld>
@@ -984,7 +1000,10 @@
           <a:bodyPr/>
           <a:lstStyle/>
           <a:p>
-            <a:endParaRPr lang="en-ZA" dirty="0"/>
+            <a:r>
+              <a:rPr lang="en-US" dirty="0"/>
+              <a:t>TED</a:t>
+            </a:r>
           </a:p>
         </p:txBody>
       </p:sp>
@@ -995,7 +1014,7 @@
             <a:spLocks noGrp="1"/>
           </p:cNvSpPr>
           <p:nvPr>
-            <p:ph type="sldNum" sz="quarter" idx="10"/>
+            <p:ph type="sldNum" sz="quarter" idx="5"/>
           </p:nvPr>
         </p:nvSpPr>
         <p:spPr/>
@@ -1005,7 +1024,262 @@
           <a:p>
             <a:fld id="{EFDDBACE-0F8F-43FD-98F0-DEE13552DADA}" type="slidenum">
               <a:rPr lang="en-ZA" smtClean="0"/>
-              <a:t>15</a:t>
+              <a:t>13</a:t>
+            </a:fld>
+            <a:endParaRPr lang="en-ZA" dirty="0"/>
+          </a:p>
+        </p:txBody>
+      </p:sp>
+    </p:spTree>
+    <p:extLst>
+      <p:ext uri="{BB962C8B-B14F-4D97-AF65-F5344CB8AC3E}">
+        <p14:creationId xmlns:p14="http://schemas.microsoft.com/office/powerpoint/2010/main" val="2686018563"/>
+      </p:ext>
+    </p:extLst>
+  </p:cSld>
+  <p:clrMapOvr>
+    <a:masterClrMapping/>
+  </p:clrMapOvr>
+</p:notes>
+</file>
+
+<file path=ppt/notesSlides/notesSlide13.xml><?xml version="1.0" encoding="utf-8"?>
+<p:notes xmlns:a="http://schemas.openxmlformats.org/drawingml/2006/main" xmlns:r="http://schemas.openxmlformats.org/officeDocument/2006/relationships" xmlns:p="http://schemas.openxmlformats.org/presentationml/2006/main">
+  <p:cSld>
+    <p:spTree>
+      <p:nvGrpSpPr>
+        <p:cNvPr id="1" name=""/>
+        <p:cNvGrpSpPr/>
+        <p:nvPr/>
+      </p:nvGrpSpPr>
+      <p:grpSpPr>
+        <a:xfrm>
+          <a:off x="0" y="0"/>
+          <a:ext cx="0" cy="0"/>
+          <a:chOff x="0" y="0"/>
+          <a:chExt cx="0" cy="0"/>
+        </a:xfrm>
+      </p:grpSpPr>
+      <p:sp>
+        <p:nvSpPr>
+          <p:cNvPr id="2" name="Slide Image Placeholder 1"/>
+          <p:cNvSpPr>
+            <a:spLocks noGrp="1" noRot="1" noChangeAspect="1"/>
+          </p:cNvSpPr>
+          <p:nvPr>
+            <p:ph type="sldImg"/>
+          </p:nvPr>
+        </p:nvSpPr>
+        <p:spPr/>
+      </p:sp>
+      <p:sp>
+        <p:nvSpPr>
+          <p:cNvPr id="3" name="Notes Placeholder 2"/>
+          <p:cNvSpPr>
+            <a:spLocks noGrp="1"/>
+          </p:cNvSpPr>
+          <p:nvPr>
+            <p:ph type="body" idx="1"/>
+          </p:nvPr>
+        </p:nvSpPr>
+        <p:spPr/>
+        <p:txBody>
+          <a:bodyPr/>
+          <a:lstStyle/>
+          <a:p>
+            <a:r>
+              <a:rPr lang="en-US" dirty="0"/>
+              <a:t>ELISA</a:t>
+            </a:r>
+          </a:p>
+        </p:txBody>
+      </p:sp>
+      <p:sp>
+        <p:nvSpPr>
+          <p:cNvPr id="4" name="Slide Number Placeholder 3"/>
+          <p:cNvSpPr>
+            <a:spLocks noGrp="1"/>
+          </p:cNvSpPr>
+          <p:nvPr>
+            <p:ph type="sldNum" sz="quarter" idx="5"/>
+          </p:nvPr>
+        </p:nvSpPr>
+        <p:spPr/>
+        <p:txBody>
+          <a:bodyPr/>
+          <a:lstStyle/>
+          <a:p>
+            <a:fld id="{EFDDBACE-0F8F-43FD-98F0-DEE13552DADA}" type="slidenum">
+              <a:rPr lang="en-ZA" smtClean="0"/>
+              <a:t>14</a:t>
+            </a:fld>
+            <a:endParaRPr lang="en-ZA" dirty="0"/>
+          </a:p>
+        </p:txBody>
+      </p:sp>
+    </p:spTree>
+    <p:extLst>
+      <p:ext uri="{BB962C8B-B14F-4D97-AF65-F5344CB8AC3E}">
+        <p14:creationId xmlns:p14="http://schemas.microsoft.com/office/powerpoint/2010/main" val="1094533114"/>
+      </p:ext>
+    </p:extLst>
+  </p:cSld>
+  <p:clrMapOvr>
+    <a:masterClrMapping/>
+  </p:clrMapOvr>
+</p:notes>
+</file>
+
+<file path=ppt/notesSlides/notesSlide14.xml><?xml version="1.0" encoding="utf-8"?>
+<p:notes xmlns:a="http://schemas.openxmlformats.org/drawingml/2006/main" xmlns:r="http://schemas.openxmlformats.org/officeDocument/2006/relationships" xmlns:p="http://schemas.openxmlformats.org/presentationml/2006/main">
+  <p:cSld>
+    <p:spTree>
+      <p:nvGrpSpPr>
+        <p:cNvPr id="1" name=""/>
+        <p:cNvGrpSpPr/>
+        <p:nvPr/>
+      </p:nvGrpSpPr>
+      <p:grpSpPr>
+        <a:xfrm>
+          <a:off x="0" y="0"/>
+          <a:ext cx="0" cy="0"/>
+          <a:chOff x="0" y="0"/>
+          <a:chExt cx="0" cy="0"/>
+        </a:xfrm>
+      </p:grpSpPr>
+      <p:sp>
+        <p:nvSpPr>
+          <p:cNvPr id="2" name="Slide Image Placeholder 1"/>
+          <p:cNvSpPr>
+            <a:spLocks noGrp="1" noRot="1" noChangeAspect="1"/>
+          </p:cNvSpPr>
+          <p:nvPr>
+            <p:ph type="sldImg"/>
+          </p:nvPr>
+        </p:nvSpPr>
+        <p:spPr/>
+      </p:sp>
+      <p:sp>
+        <p:nvSpPr>
+          <p:cNvPr id="3" name="Notes Placeholder 2"/>
+          <p:cNvSpPr>
+            <a:spLocks noGrp="1"/>
+          </p:cNvSpPr>
+          <p:nvPr>
+            <p:ph type="body" idx="1"/>
+          </p:nvPr>
+        </p:nvSpPr>
+        <p:spPr/>
+        <p:txBody>
+          <a:bodyPr/>
+          <a:lstStyle/>
+          <a:p>
+            <a:endParaRPr lang="en-US" dirty="0"/>
+          </a:p>
+        </p:txBody>
+      </p:sp>
+      <p:sp>
+        <p:nvSpPr>
+          <p:cNvPr id="4" name="Slide Number Placeholder 3"/>
+          <p:cNvSpPr>
+            <a:spLocks noGrp="1"/>
+          </p:cNvSpPr>
+          <p:nvPr>
+            <p:ph type="sldNum" sz="quarter" idx="5"/>
+          </p:nvPr>
+        </p:nvSpPr>
+        <p:spPr/>
+        <p:txBody>
+          <a:bodyPr/>
+          <a:lstStyle/>
+          <a:p>
+            <a:fld id="{EFDDBACE-0F8F-43FD-98F0-DEE13552DADA}" type="slidenum">
+              <a:rPr lang="en-ZA" smtClean="0"/>
+              <a:t>18</a:t>
+            </a:fld>
+            <a:endParaRPr lang="en-ZA" dirty="0"/>
+          </a:p>
+        </p:txBody>
+      </p:sp>
+    </p:spTree>
+    <p:extLst>
+      <p:ext uri="{BB962C8B-B14F-4D97-AF65-F5344CB8AC3E}">
+        <p14:creationId xmlns:p14="http://schemas.microsoft.com/office/powerpoint/2010/main" val="3992820385"/>
+      </p:ext>
+    </p:extLst>
+  </p:cSld>
+  <p:clrMapOvr>
+    <a:masterClrMapping/>
+  </p:clrMapOvr>
+</p:notes>
+</file>
+
+<file path=ppt/notesSlides/notesSlide15.xml><?xml version="1.0" encoding="utf-8"?>
+<p:notes xmlns:a="http://schemas.openxmlformats.org/drawingml/2006/main" xmlns:r="http://schemas.openxmlformats.org/officeDocument/2006/relationships" xmlns:p="http://schemas.openxmlformats.org/presentationml/2006/main">
+  <p:cSld>
+    <p:spTree>
+      <p:nvGrpSpPr>
+        <p:cNvPr id="1" name=""/>
+        <p:cNvGrpSpPr/>
+        <p:nvPr/>
+      </p:nvGrpSpPr>
+      <p:grpSpPr>
+        <a:xfrm>
+          <a:off x="0" y="0"/>
+          <a:ext cx="0" cy="0"/>
+          <a:chOff x="0" y="0"/>
+          <a:chExt cx="0" cy="0"/>
+        </a:xfrm>
+      </p:grpSpPr>
+      <p:sp>
+        <p:nvSpPr>
+          <p:cNvPr id="2" name="Slide Image Placeholder 1"/>
+          <p:cNvSpPr>
+            <a:spLocks noGrp="1" noRot="1" noChangeAspect="1"/>
+          </p:cNvSpPr>
+          <p:nvPr>
+            <p:ph type="sldImg"/>
+          </p:nvPr>
+        </p:nvSpPr>
+        <p:spPr/>
+      </p:sp>
+      <p:sp>
+        <p:nvSpPr>
+          <p:cNvPr id="3" name="Notes Placeholder 2"/>
+          <p:cNvSpPr>
+            <a:spLocks noGrp="1"/>
+          </p:cNvSpPr>
+          <p:nvPr>
+            <p:ph type="body" idx="1"/>
+          </p:nvPr>
+        </p:nvSpPr>
+        <p:spPr/>
+        <p:txBody>
+          <a:bodyPr/>
+          <a:lstStyle/>
+          <a:p>
+            <a:endParaRPr lang="en-ZA" dirty="0"/>
+          </a:p>
+        </p:txBody>
+      </p:sp>
+      <p:sp>
+        <p:nvSpPr>
+          <p:cNvPr id="4" name="Slide Number Placeholder 3"/>
+          <p:cNvSpPr>
+            <a:spLocks noGrp="1"/>
+          </p:cNvSpPr>
+          <p:nvPr>
+            <p:ph type="sldNum" sz="quarter" idx="10"/>
+          </p:nvPr>
+        </p:nvSpPr>
+        <p:spPr/>
+        <p:txBody>
+          <a:bodyPr/>
+          <a:lstStyle/>
+          <a:p>
+            <a:fld id="{EFDDBACE-0F8F-43FD-98F0-DEE13552DADA}" type="slidenum">
+              <a:rPr lang="en-ZA" smtClean="0"/>
+              <a:t>19</a:t>
             </a:fld>
             <a:endParaRPr lang="en-ZA" dirty="0"/>
           </a:p>
@@ -1070,7 +1344,7 @@
           <a:p>
             <a:r>
               <a:rPr lang="en-US" dirty="0"/>
-              <a:t>ERICA</a:t>
+              <a:t>ELISA</a:t>
             </a:r>
           </a:p>
         </p:txBody>
@@ -1092,7 +1366,7 @@
           <a:p>
             <a:fld id="{EFDDBACE-0F8F-43FD-98F0-DEE13552DADA}" type="slidenum">
               <a:rPr lang="en-ZA" smtClean="0"/>
-              <a:t>4</a:t>
+              <a:t>3</a:t>
             </a:fld>
             <a:endParaRPr lang="en-ZA" dirty="0"/>
           </a:p>
@@ -1101,7 +1375,7 @@
     </p:spTree>
     <p:extLst>
       <p:ext uri="{BB962C8B-B14F-4D97-AF65-F5344CB8AC3E}">
-        <p14:creationId xmlns:p14="http://schemas.microsoft.com/office/powerpoint/2010/main" val="4164285228"/>
+        <p14:creationId xmlns:p14="http://schemas.microsoft.com/office/powerpoint/2010/main" val="203002632"/>
       </p:ext>
     </p:extLst>
   </p:cSld>
@@ -1155,6 +1429,10 @@
           <a:bodyPr/>
           <a:lstStyle/>
           <a:p>
+            <a:r>
+              <a:rPr lang="en-US"/>
+              <a:t>ELISA</a:t>
+            </a:r>
             <a:endParaRPr lang="en-US" dirty="0"/>
           </a:p>
         </p:txBody>
@@ -1176,7 +1454,7 @@
           <a:p>
             <a:fld id="{EFDDBACE-0F8F-43FD-98F0-DEE13552DADA}" type="slidenum">
               <a:rPr lang="en-ZA" smtClean="0"/>
-              <a:t>5</a:t>
+              <a:t>4</a:t>
             </a:fld>
             <a:endParaRPr lang="en-ZA" dirty="0"/>
           </a:p>
@@ -1185,7 +1463,7 @@
     </p:spTree>
     <p:extLst>
       <p:ext uri="{BB962C8B-B14F-4D97-AF65-F5344CB8AC3E}">
-        <p14:creationId xmlns:p14="http://schemas.microsoft.com/office/powerpoint/2010/main" val="3042922735"/>
+        <p14:creationId xmlns:p14="http://schemas.microsoft.com/office/powerpoint/2010/main" val="4164285228"/>
       </p:ext>
     </p:extLst>
   </p:cSld>
@@ -1239,241 +1517,6 @@
           <a:bodyPr/>
           <a:lstStyle/>
           <a:p>
-            <a:pPr marL="0" marR="0" lvl="0" indent="0" algn="l" defTabSz="914400" rtl="0" eaLnBrk="1" fontAlgn="auto" latinLnBrk="0" hangingPunct="1">
-              <a:lnSpc>
-                <a:spcPct val="100000"/>
-              </a:lnSpc>
-              <a:spcBef>
-                <a:spcPts val="0"/>
-              </a:spcBef>
-              <a:spcAft>
-                <a:spcPts val="0"/>
-              </a:spcAft>
-              <a:buClrTx/>
-              <a:buSzTx/>
-              <a:buFontTx/>
-              <a:buNone/>
-              <a:tabLst/>
-              <a:defRPr/>
-            </a:pPr>
-            <a:r>
-              <a:rPr lang="en-US" sz="1200" dirty="0"/>
-              <a:t>ERICA</a:t>
-            </a:r>
-          </a:p>
-          <a:p>
-            <a:pPr marL="0" marR="0" lvl="0" indent="0" algn="l" defTabSz="914400" rtl="0" eaLnBrk="1" fontAlgn="auto" latinLnBrk="0" hangingPunct="1">
-              <a:lnSpc>
-                <a:spcPct val="100000"/>
-              </a:lnSpc>
-              <a:spcBef>
-                <a:spcPts val="0"/>
-              </a:spcBef>
-              <a:spcAft>
-                <a:spcPts val="0"/>
-              </a:spcAft>
-              <a:buClrTx/>
-              <a:buSzTx/>
-              <a:buFontTx/>
-              <a:buNone/>
-              <a:tabLst/>
-              <a:defRPr/>
-            </a:pPr>
-            <a:endParaRPr lang="en-US" sz="1200" dirty="0"/>
-          </a:p>
-          <a:p>
-            <a:pPr marL="0" marR="0" lvl="0" indent="0" algn="l" defTabSz="914400" rtl="0" eaLnBrk="1" fontAlgn="auto" latinLnBrk="0" hangingPunct="1">
-              <a:lnSpc>
-                <a:spcPct val="100000"/>
-              </a:lnSpc>
-              <a:spcBef>
-                <a:spcPts val="0"/>
-              </a:spcBef>
-              <a:spcAft>
-                <a:spcPts val="0"/>
-              </a:spcAft>
-              <a:buClrTx/>
-              <a:buSzTx/>
-              <a:buFontTx/>
-              <a:buNone/>
-              <a:tabLst/>
-              <a:defRPr/>
-            </a:pPr>
-            <a:r>
-              <a:rPr lang="en-US" sz="1200" dirty="0"/>
-              <a:t>In some payment models, payers reimburse providers a flat rate per patient (capitation), and in others, payers assess penalties or provide bonuses based on cost or quality of care outcomes (pay-for-performance). </a:t>
-            </a:r>
-          </a:p>
-          <a:p>
-            <a:pPr marL="0" marR="0" lvl="0" indent="0" algn="l" defTabSz="914400" rtl="0" eaLnBrk="1" fontAlgn="auto" latinLnBrk="0" hangingPunct="1">
-              <a:lnSpc>
-                <a:spcPct val="100000"/>
-              </a:lnSpc>
-              <a:spcBef>
-                <a:spcPts val="0"/>
-              </a:spcBef>
-              <a:spcAft>
-                <a:spcPts val="0"/>
-              </a:spcAft>
-              <a:buClrTx/>
-              <a:buSzTx/>
-              <a:buFontTx/>
-              <a:buNone/>
-              <a:tabLst/>
-              <a:defRPr/>
-            </a:pPr>
-            <a:endParaRPr lang="en-US" sz="1200" dirty="0"/>
-          </a:p>
-          <a:p>
-            <a:pPr marL="0" marR="0" lvl="0" indent="0" algn="l" defTabSz="914400" rtl="0" eaLnBrk="1" fontAlgn="auto" latinLnBrk="0" hangingPunct="1">
-              <a:lnSpc>
-                <a:spcPct val="100000"/>
-              </a:lnSpc>
-              <a:spcBef>
-                <a:spcPts val="0"/>
-              </a:spcBef>
-              <a:spcAft>
-                <a:spcPts val="0"/>
-              </a:spcAft>
-              <a:buClrTx/>
-              <a:buSzTx/>
-              <a:buFontTx/>
-              <a:buNone/>
-              <a:tabLst/>
-              <a:defRPr/>
-            </a:pPr>
-            <a:r>
-              <a:rPr lang="en-US" sz="1200" dirty="0"/>
-              <a:t>In such  models, risk adjustment is important. Risk adjustment mechanisms predict whether a given patient, or group of patients, is likely to be more or less costly to treat than the average population and provides a way to adjust payment accordingly. Risk adjustment compensates health plans and providers for treating sicker patients, and reduces their incentives to select healthy or less costly patients. Risk adjustment mechanisms predict whether a given patient, or group of patients, is likely to be more or less costly to treat than the average population and provides a way to adjust payment accordingly. </a:t>
-            </a:r>
-          </a:p>
-          <a:p>
-            <a:pPr marL="0" marR="0" lvl="0" indent="0" algn="l" defTabSz="914400" rtl="0" eaLnBrk="1" fontAlgn="auto" latinLnBrk="0" hangingPunct="1">
-              <a:lnSpc>
-                <a:spcPct val="100000"/>
-              </a:lnSpc>
-              <a:spcBef>
-                <a:spcPts val="0"/>
-              </a:spcBef>
-              <a:spcAft>
-                <a:spcPts val="0"/>
-              </a:spcAft>
-              <a:buClrTx/>
-              <a:buSzTx/>
-              <a:buFontTx/>
-              <a:buNone/>
-              <a:tabLst/>
-              <a:defRPr/>
-            </a:pPr>
-            <a:endParaRPr lang="en-US" sz="1200" dirty="0"/>
-          </a:p>
-          <a:p>
-            <a:pPr marL="0" marR="0" lvl="0" indent="0" algn="l" defTabSz="914400" rtl="0" eaLnBrk="1" fontAlgn="auto" latinLnBrk="0" hangingPunct="1">
-              <a:lnSpc>
-                <a:spcPct val="100000"/>
-              </a:lnSpc>
-              <a:spcBef>
-                <a:spcPts val="0"/>
-              </a:spcBef>
-              <a:spcAft>
-                <a:spcPts val="0"/>
-              </a:spcAft>
-              <a:buClrTx/>
-              <a:buSzTx/>
-              <a:buFontTx/>
-              <a:buNone/>
-              <a:tabLst/>
-              <a:defRPr/>
-            </a:pPr>
-            <a:r>
-              <a:rPr lang="en-US" sz="1200" dirty="0"/>
-              <a:t>The Centers for Medicare &amp; Medicaid Services (CMS) risk adjustment model is a hierarchical condition category (HCC) score. Use of the HCC model is expanding, and there is concern over whether it functions as intended. If CMS-HCC risk scores do not accurately reflect patient health status because of factors such as coding practices or capacity, then payments may not be associated with the true cost of treatment. </a:t>
-            </a:r>
-          </a:p>
-          <a:p>
-            <a:pPr marL="0" marR="0" lvl="0" indent="0" algn="l" defTabSz="914400" rtl="0" eaLnBrk="1" fontAlgn="auto" latinLnBrk="0" hangingPunct="1">
-              <a:lnSpc>
-                <a:spcPct val="100000"/>
-              </a:lnSpc>
-              <a:spcBef>
-                <a:spcPts val="0"/>
-              </a:spcBef>
-              <a:spcAft>
-                <a:spcPts val="0"/>
-              </a:spcAft>
-              <a:buClrTx/>
-              <a:buSzTx/>
-              <a:buFontTx/>
-              <a:buNone/>
-              <a:tabLst/>
-              <a:defRPr/>
-            </a:pPr>
-            <a:endParaRPr lang="en-US" sz="1200" dirty="0"/>
-          </a:p>
-          <a:p>
-            <a:pPr marL="0" marR="0" lvl="0" indent="0" algn="l" defTabSz="914400" rtl="0" eaLnBrk="1" fontAlgn="auto" latinLnBrk="0" hangingPunct="1">
-              <a:lnSpc>
-                <a:spcPct val="100000"/>
-              </a:lnSpc>
-              <a:spcBef>
-                <a:spcPts val="0"/>
-              </a:spcBef>
-              <a:spcAft>
-                <a:spcPts val="0"/>
-              </a:spcAft>
-              <a:buClrTx/>
-              <a:buSzTx/>
-              <a:buFontTx/>
-              <a:buNone/>
-              <a:tabLst/>
-              <a:defRPr/>
-            </a:pPr>
-            <a:r>
-              <a:rPr lang="en-US" sz="1200" dirty="0"/>
-              <a:t>Additionally, treatment paths and associated costs can vary greatly within patient populations of a specific provider type. We developed a model focused on home health agencies, to explore this concept and try to discover additional patterns that can inform initiatives to reduce burdensome healthcare spending.</a:t>
-            </a:r>
-          </a:p>
-          <a:p>
-            <a:pPr marL="0" marR="0" lvl="0" indent="0" algn="l" defTabSz="914400" rtl="0" eaLnBrk="1" fontAlgn="auto" latinLnBrk="0" hangingPunct="1">
-              <a:lnSpc>
-                <a:spcPct val="100000"/>
-              </a:lnSpc>
-              <a:spcBef>
-                <a:spcPts val="0"/>
-              </a:spcBef>
-              <a:spcAft>
-                <a:spcPts val="0"/>
-              </a:spcAft>
-              <a:buClrTx/>
-              <a:buSzTx/>
-              <a:buFontTx/>
-              <a:buNone/>
-              <a:tabLst/>
-              <a:defRPr/>
-            </a:pPr>
-            <a:endParaRPr lang="en-US" sz="1200" dirty="0"/>
-          </a:p>
-          <a:p>
-            <a:pPr marL="0" marR="0" lvl="0" indent="0" algn="l" defTabSz="914400" rtl="0" eaLnBrk="1" fontAlgn="auto" latinLnBrk="0" hangingPunct="1">
-              <a:lnSpc>
-                <a:spcPct val="100000"/>
-              </a:lnSpc>
-              <a:spcBef>
-                <a:spcPts val="0"/>
-              </a:spcBef>
-              <a:spcAft>
-                <a:spcPts val="0"/>
-              </a:spcAft>
-              <a:buClrTx/>
-              <a:buSzTx/>
-              <a:buFontTx/>
-              <a:buNone/>
-              <a:tabLst/>
-              <a:defRPr/>
-            </a:pPr>
-            <a:endParaRPr lang="en-US" sz="1200" dirty="0"/>
-          </a:p>
-          <a:p>
             <a:endParaRPr lang="en-US" dirty="0"/>
           </a:p>
         </p:txBody>
@@ -1495,7 +1538,7 @@
           <a:p>
             <a:fld id="{EFDDBACE-0F8F-43FD-98F0-DEE13552DADA}" type="slidenum">
               <a:rPr lang="en-ZA" smtClean="0"/>
-              <a:t>6</a:t>
+              <a:t>5</a:t>
             </a:fld>
             <a:endParaRPr lang="en-ZA" dirty="0"/>
           </a:p>
@@ -1504,7 +1547,7 @@
     </p:spTree>
     <p:extLst>
       <p:ext uri="{BB962C8B-B14F-4D97-AF65-F5344CB8AC3E}">
-        <p14:creationId xmlns:p14="http://schemas.microsoft.com/office/powerpoint/2010/main" val="3551967436"/>
+        <p14:creationId xmlns:p14="http://schemas.microsoft.com/office/powerpoint/2010/main" val="3042922735"/>
       </p:ext>
     </p:extLst>
   </p:cSld>
@@ -1558,10 +1601,242 @@
           <a:bodyPr/>
           <a:lstStyle/>
           <a:p>
-            <a:r>
-              <a:rPr lang="en-US" dirty="0"/>
-              <a:t>ELISA</a:t>
-            </a:r>
+            <a:pPr marL="0" marR="0" lvl="0" indent="0" algn="l" defTabSz="914400" rtl="0" eaLnBrk="1" fontAlgn="auto" latinLnBrk="0" hangingPunct="1">
+              <a:lnSpc>
+                <a:spcPct val="100000"/>
+              </a:lnSpc>
+              <a:spcBef>
+                <a:spcPts val="0"/>
+              </a:spcBef>
+              <a:spcAft>
+                <a:spcPts val="0"/>
+              </a:spcAft>
+              <a:buClrTx/>
+              <a:buSzTx/>
+              <a:buFontTx/>
+              <a:buNone/>
+              <a:tabLst/>
+              <a:defRPr/>
+            </a:pPr>
+            <a:r>
+              <a:rPr lang="en-US" sz="1200" dirty="0"/>
+              <a:t>ERICA</a:t>
+            </a:r>
+          </a:p>
+          <a:p>
+            <a:pPr marL="0" marR="0" lvl="0" indent="0" algn="l" defTabSz="914400" rtl="0" eaLnBrk="1" fontAlgn="auto" latinLnBrk="0" hangingPunct="1">
+              <a:lnSpc>
+                <a:spcPct val="100000"/>
+              </a:lnSpc>
+              <a:spcBef>
+                <a:spcPts val="0"/>
+              </a:spcBef>
+              <a:spcAft>
+                <a:spcPts val="0"/>
+              </a:spcAft>
+              <a:buClrTx/>
+              <a:buSzTx/>
+              <a:buFontTx/>
+              <a:buNone/>
+              <a:tabLst/>
+              <a:defRPr/>
+            </a:pPr>
+            <a:endParaRPr lang="en-US" sz="1200" dirty="0"/>
+          </a:p>
+          <a:p>
+            <a:pPr marL="0" marR="0" lvl="0" indent="0" algn="l" defTabSz="914400" rtl="0" eaLnBrk="1" fontAlgn="auto" latinLnBrk="0" hangingPunct="1">
+              <a:lnSpc>
+                <a:spcPct val="100000"/>
+              </a:lnSpc>
+              <a:spcBef>
+                <a:spcPts val="0"/>
+              </a:spcBef>
+              <a:spcAft>
+                <a:spcPts val="0"/>
+              </a:spcAft>
+              <a:buClrTx/>
+              <a:buSzTx/>
+              <a:buFontTx/>
+              <a:buNone/>
+              <a:tabLst/>
+              <a:defRPr/>
+            </a:pPr>
+            <a:r>
+              <a:rPr lang="en-US" sz="1200" dirty="0"/>
+              <a:t>In some payment models, payers reimburse providers a flat rate per patient (capitation), and in others, payers assess penalties or provide bonuses based on cost or quality of care outcomes (pay-for-performance). </a:t>
+            </a:r>
+          </a:p>
+          <a:p>
+            <a:pPr marL="0" marR="0" lvl="0" indent="0" algn="l" defTabSz="914400" rtl="0" eaLnBrk="1" fontAlgn="auto" latinLnBrk="0" hangingPunct="1">
+              <a:lnSpc>
+                <a:spcPct val="100000"/>
+              </a:lnSpc>
+              <a:spcBef>
+                <a:spcPts val="0"/>
+              </a:spcBef>
+              <a:spcAft>
+                <a:spcPts val="0"/>
+              </a:spcAft>
+              <a:buClrTx/>
+              <a:buSzTx/>
+              <a:buFontTx/>
+              <a:buNone/>
+              <a:tabLst/>
+              <a:defRPr/>
+            </a:pPr>
+            <a:endParaRPr lang="en-US" sz="1200" dirty="0"/>
+          </a:p>
+          <a:p>
+            <a:pPr marL="0" marR="0" lvl="0" indent="0" algn="l" defTabSz="914400" rtl="0" eaLnBrk="1" fontAlgn="auto" latinLnBrk="0" hangingPunct="1">
+              <a:lnSpc>
+                <a:spcPct val="100000"/>
+              </a:lnSpc>
+              <a:spcBef>
+                <a:spcPts val="0"/>
+              </a:spcBef>
+              <a:spcAft>
+                <a:spcPts val="0"/>
+              </a:spcAft>
+              <a:buClrTx/>
+              <a:buSzTx/>
+              <a:buFontTx/>
+              <a:buNone/>
+              <a:tabLst/>
+              <a:defRPr/>
+            </a:pPr>
+            <a:r>
+              <a:rPr lang="en-US" sz="1200" dirty="0"/>
+              <a:t>In such  models, risk adjustment is important. Risk adjustment mechanisms predict whether a given patient, or group of patients, is likely to be more or less costly to treat than the average population and provides a way to adjust payment accordingly. Risk adjustment compensates health plans and providers for treating sicker patients, and reduces their incentives to select healthy or less costly patients. Risk adjustment mechanisms predict whether a given patient, or group of patients, is likely to be more or less costly to treat than the average population and provides a way to adjust payment accordingly. </a:t>
+            </a:r>
+          </a:p>
+          <a:p>
+            <a:pPr marL="0" marR="0" lvl="0" indent="0" algn="l" defTabSz="914400" rtl="0" eaLnBrk="1" fontAlgn="auto" latinLnBrk="0" hangingPunct="1">
+              <a:lnSpc>
+                <a:spcPct val="100000"/>
+              </a:lnSpc>
+              <a:spcBef>
+                <a:spcPts val="0"/>
+              </a:spcBef>
+              <a:spcAft>
+                <a:spcPts val="0"/>
+              </a:spcAft>
+              <a:buClrTx/>
+              <a:buSzTx/>
+              <a:buFontTx/>
+              <a:buNone/>
+              <a:tabLst/>
+              <a:defRPr/>
+            </a:pPr>
+            <a:endParaRPr lang="en-US" sz="1200" dirty="0"/>
+          </a:p>
+          <a:p>
+            <a:pPr marL="0" marR="0" lvl="0" indent="0" algn="l" defTabSz="914400" rtl="0" eaLnBrk="1" fontAlgn="auto" latinLnBrk="0" hangingPunct="1">
+              <a:lnSpc>
+                <a:spcPct val="100000"/>
+              </a:lnSpc>
+              <a:spcBef>
+                <a:spcPts val="0"/>
+              </a:spcBef>
+              <a:spcAft>
+                <a:spcPts val="0"/>
+              </a:spcAft>
+              <a:buClrTx/>
+              <a:buSzTx/>
+              <a:buFontTx/>
+              <a:buNone/>
+              <a:tabLst/>
+              <a:defRPr/>
+            </a:pPr>
+            <a:r>
+              <a:rPr lang="en-US" sz="1200" dirty="0"/>
+              <a:t>The Centers for Medicare &amp; Medicaid Services (CMS) risk adjustment model is a hierarchical condition category (HCC) score. Use of the HCC model is expanding, and there is concern over whether it functions as intended. If CMS-HCC risk scores do not accurately reflect patient health status because of factors such as coding practices or capacity, then payments may not be associated with the true cost of treatment. </a:t>
+            </a:r>
+          </a:p>
+          <a:p>
+            <a:pPr marL="0" marR="0" lvl="0" indent="0" algn="l" defTabSz="914400" rtl="0" eaLnBrk="1" fontAlgn="auto" latinLnBrk="0" hangingPunct="1">
+              <a:lnSpc>
+                <a:spcPct val="100000"/>
+              </a:lnSpc>
+              <a:spcBef>
+                <a:spcPts val="0"/>
+              </a:spcBef>
+              <a:spcAft>
+                <a:spcPts val="0"/>
+              </a:spcAft>
+              <a:buClrTx/>
+              <a:buSzTx/>
+              <a:buFontTx/>
+              <a:buNone/>
+              <a:tabLst/>
+              <a:defRPr/>
+            </a:pPr>
+            <a:endParaRPr lang="en-US" sz="1200" dirty="0"/>
+          </a:p>
+          <a:p>
+            <a:pPr marL="0" marR="0" lvl="0" indent="0" algn="l" defTabSz="914400" rtl="0" eaLnBrk="1" fontAlgn="auto" latinLnBrk="0" hangingPunct="1">
+              <a:lnSpc>
+                <a:spcPct val="100000"/>
+              </a:lnSpc>
+              <a:spcBef>
+                <a:spcPts val="0"/>
+              </a:spcBef>
+              <a:spcAft>
+                <a:spcPts val="0"/>
+              </a:spcAft>
+              <a:buClrTx/>
+              <a:buSzTx/>
+              <a:buFontTx/>
+              <a:buNone/>
+              <a:tabLst/>
+              <a:defRPr/>
+            </a:pPr>
+            <a:r>
+              <a:rPr lang="en-US" sz="1200" dirty="0"/>
+              <a:t>Additionally, treatment paths and associated costs can vary greatly within patient populations of a specific provider type. We developed a model focused on home health agencies, to explore this concept and try to discover additional patterns that can inform initiatives to reduce burdensome healthcare spending.</a:t>
+            </a:r>
+          </a:p>
+          <a:p>
+            <a:pPr marL="0" marR="0" lvl="0" indent="0" algn="l" defTabSz="914400" rtl="0" eaLnBrk="1" fontAlgn="auto" latinLnBrk="0" hangingPunct="1">
+              <a:lnSpc>
+                <a:spcPct val="100000"/>
+              </a:lnSpc>
+              <a:spcBef>
+                <a:spcPts val="0"/>
+              </a:spcBef>
+              <a:spcAft>
+                <a:spcPts val="0"/>
+              </a:spcAft>
+              <a:buClrTx/>
+              <a:buSzTx/>
+              <a:buFontTx/>
+              <a:buNone/>
+              <a:tabLst/>
+              <a:defRPr/>
+            </a:pPr>
+            <a:endParaRPr lang="en-US" sz="1200" dirty="0"/>
+          </a:p>
+          <a:p>
+            <a:pPr marL="0" marR="0" lvl="0" indent="0" algn="l" defTabSz="914400" rtl="0" eaLnBrk="1" fontAlgn="auto" latinLnBrk="0" hangingPunct="1">
+              <a:lnSpc>
+                <a:spcPct val="100000"/>
+              </a:lnSpc>
+              <a:spcBef>
+                <a:spcPts val="0"/>
+              </a:spcBef>
+              <a:spcAft>
+                <a:spcPts val="0"/>
+              </a:spcAft>
+              <a:buClrTx/>
+              <a:buSzTx/>
+              <a:buFontTx/>
+              <a:buNone/>
+              <a:tabLst/>
+              <a:defRPr/>
+            </a:pPr>
+            <a:endParaRPr lang="en-US" sz="1200" dirty="0"/>
+          </a:p>
+          <a:p>
+            <a:endParaRPr lang="en-US" dirty="0"/>
           </a:p>
         </p:txBody>
       </p:sp>
@@ -1582,7 +1857,7 @@
           <a:p>
             <a:fld id="{EFDDBACE-0F8F-43FD-98F0-DEE13552DADA}" type="slidenum">
               <a:rPr lang="en-ZA" smtClean="0"/>
-              <a:t>7</a:t>
+              <a:t>6</a:t>
             </a:fld>
             <a:endParaRPr lang="en-ZA" dirty="0"/>
           </a:p>
@@ -1591,7 +1866,7 @@
     </p:spTree>
     <p:extLst>
       <p:ext uri="{BB962C8B-B14F-4D97-AF65-F5344CB8AC3E}">
-        <p14:creationId xmlns:p14="http://schemas.microsoft.com/office/powerpoint/2010/main" val="663313215"/>
+        <p14:creationId xmlns:p14="http://schemas.microsoft.com/office/powerpoint/2010/main" val="3551967436"/>
       </p:ext>
     </p:extLst>
   </p:cSld>
@@ -1647,7 +1922,7 @@
           <a:p>
             <a:r>
               <a:rPr lang="en-US" dirty="0"/>
-              <a:t>TED</a:t>
+              <a:t>ELISA</a:t>
             </a:r>
           </a:p>
         </p:txBody>
@@ -1669,7 +1944,7 @@
           <a:p>
             <a:fld id="{EFDDBACE-0F8F-43FD-98F0-DEE13552DADA}" type="slidenum">
               <a:rPr lang="en-ZA" smtClean="0"/>
-              <a:t>8</a:t>
+              <a:t>7</a:t>
             </a:fld>
             <a:endParaRPr lang="en-ZA" dirty="0"/>
           </a:p>
@@ -1678,7 +1953,7 @@
     </p:spTree>
     <p:extLst>
       <p:ext uri="{BB962C8B-B14F-4D97-AF65-F5344CB8AC3E}">
-        <p14:creationId xmlns:p14="http://schemas.microsoft.com/office/powerpoint/2010/main" val="4228857804"/>
+        <p14:creationId xmlns:p14="http://schemas.microsoft.com/office/powerpoint/2010/main" val="663313215"/>
       </p:ext>
     </p:extLst>
   </p:cSld>
@@ -1734,36 +2009,8 @@
           <a:p>
             <a:r>
               <a:rPr lang="en-US" dirty="0"/>
-              <a:t>ERICA</a:t>
-            </a:r>
-          </a:p>
-          <a:p>
-            <a:endParaRPr lang="en-US" dirty="0"/>
-          </a:p>
-          <a:p>
-            <a:r>
-              <a:rPr lang="en-US" sz="1200" b="0" i="0" kern="1200" dirty="0">
-                <a:solidFill>
-                  <a:schemeClr val="tx1"/>
-                </a:solidFill>
-                <a:effectLst/>
-                <a:latin typeface="+mn-lt"/>
-                <a:ea typeface="+mn-ea"/>
-                <a:cs typeface="+mn-cs"/>
-              </a:rPr>
-              <a:t>One of the big problems in machine learning is overfitting, but most of the time this won’t happen that easy to a random forest classifier. That’s because if there are enough trees in the forest, the classifier won’t overfit the model.</a:t>
-            </a:r>
-          </a:p>
-          <a:p>
-            <a:endParaRPr lang="en-US" sz="1200" b="0" i="0" kern="1200" dirty="0">
-              <a:solidFill>
-                <a:schemeClr val="tx1"/>
-              </a:solidFill>
-              <a:effectLst/>
-              <a:latin typeface="+mn-lt"/>
-              <a:ea typeface="+mn-ea"/>
-              <a:cs typeface="+mn-cs"/>
-            </a:endParaRPr>
+              <a:t>TRANSITION</a:t>
+            </a:r>
           </a:p>
         </p:txBody>
       </p:sp>
@@ -1784,7 +2031,7 @@
           <a:p>
             <a:fld id="{EFDDBACE-0F8F-43FD-98F0-DEE13552DADA}" type="slidenum">
               <a:rPr lang="en-ZA" smtClean="0"/>
-              <a:t>9</a:t>
+              <a:t>8</a:t>
             </a:fld>
             <a:endParaRPr lang="en-ZA" dirty="0"/>
           </a:p>
@@ -1793,7 +2040,7 @@
     </p:spTree>
     <p:extLst>
       <p:ext uri="{BB962C8B-B14F-4D97-AF65-F5344CB8AC3E}">
-        <p14:creationId xmlns:p14="http://schemas.microsoft.com/office/powerpoint/2010/main" val="2094279219"/>
+        <p14:creationId xmlns:p14="http://schemas.microsoft.com/office/powerpoint/2010/main" val="4228857804"/>
       </p:ext>
     </p:extLst>
   </p:cSld>
@@ -1856,23 +2103,6 @@
             <a:endParaRPr lang="en-US" dirty="0"/>
           </a:p>
           <a:p>
-            <a:pPr marL="0" marR="0" lvl="0" indent="0" algn="l" defTabSz="914400" rtl="0" eaLnBrk="1" fontAlgn="auto" latinLnBrk="0" hangingPunct="1">
-              <a:lnSpc>
-                <a:spcPct val="100000"/>
-              </a:lnSpc>
-              <a:spcBef>
-                <a:spcPts val="0"/>
-              </a:spcBef>
-              <a:spcAft>
-                <a:spcPts val="0"/>
-              </a:spcAft>
-              <a:buClrTx/>
-              <a:buSzTx/>
-              <a:buFontTx/>
-              <a:buNone/>
-              <a:tabLst/>
-              <a:defRPr/>
-            </a:pPr>
             <a:r>
               <a:rPr lang="en-US" sz="1200" b="0" i="0" kern="1200" dirty="0">
                 <a:solidFill>
@@ -1883,12 +2113,19 @@
                 <a:ea typeface="+mn-ea"/>
                 <a:cs typeface="+mn-cs"/>
               </a:rPr>
-              <a:t>Random Forest is a predictive modeling tool and not a descriptive tool. That means, if you are looking for a description of the relationships in your data, other approaches would be preferred.</a:t>
-            </a:r>
-            <a:endParaRPr lang="en-US" dirty="0"/>
-          </a:p>
-          <a:p>
-            <a:endParaRPr lang="en-US" dirty="0"/>
+              <a:t>One of the big problems in machine learning is overfitting, but most of the time this won’t happen that easy to a random forest classifier. That’s because if there are enough trees in the forest, the classifier won’t overfit the model.</a:t>
+            </a:r>
+          </a:p>
+          <a:p>
+            <a:endParaRPr lang="en-US" sz="1200" b="0" i="0" kern="1200" dirty="0">
+              <a:solidFill>
+                <a:schemeClr val="tx1"/>
+              </a:solidFill>
+              <a:effectLst/>
+              <a:latin typeface="+mn-lt"/>
+              <a:ea typeface="+mn-ea"/>
+              <a:cs typeface="+mn-cs"/>
+            </a:endParaRPr>
           </a:p>
         </p:txBody>
       </p:sp>
@@ -1909,7 +2146,7 @@
           <a:p>
             <a:fld id="{EFDDBACE-0F8F-43FD-98F0-DEE13552DADA}" type="slidenum">
               <a:rPr lang="en-ZA" smtClean="0"/>
-              <a:t>10</a:t>
+              <a:t>9</a:t>
             </a:fld>
             <a:endParaRPr lang="en-ZA" dirty="0"/>
           </a:p>
@@ -1918,7 +2155,7 @@
     </p:spTree>
     <p:extLst>
       <p:ext uri="{BB962C8B-B14F-4D97-AF65-F5344CB8AC3E}">
-        <p14:creationId xmlns:p14="http://schemas.microsoft.com/office/powerpoint/2010/main" val="3936153342"/>
+        <p14:creationId xmlns:p14="http://schemas.microsoft.com/office/powerpoint/2010/main" val="2094279219"/>
       </p:ext>
     </p:extLst>
   </p:cSld>
@@ -1981,10 +2218,39 @@
             <a:endParaRPr lang="en-US" dirty="0"/>
           </a:p>
           <a:p>
-            <a:r>
-              <a:rPr lang="en-US" dirty="0"/>
-              <a:t>Additional descriptive exploration for potential relationships between features</a:t>
-            </a:r>
+            <a:pPr marL="0" marR="0" lvl="0" indent="0" algn="l" defTabSz="914400" rtl="0" eaLnBrk="1" fontAlgn="auto" latinLnBrk="0" hangingPunct="1">
+              <a:lnSpc>
+                <a:spcPct val="100000"/>
+              </a:lnSpc>
+              <a:spcBef>
+                <a:spcPts val="0"/>
+              </a:spcBef>
+              <a:spcAft>
+                <a:spcPts val="0"/>
+              </a:spcAft>
+              <a:buClrTx/>
+              <a:buSzTx/>
+              <a:buFontTx/>
+              <a:buNone/>
+              <a:tabLst/>
+              <a:defRPr/>
+            </a:pPr>
+            <a:r>
+              <a:rPr lang="en-US" sz="1200" b="0" i="0" kern="1200" dirty="0">
+                <a:solidFill>
+                  <a:schemeClr val="tx1"/>
+                </a:solidFill>
+                <a:effectLst/>
+                <a:latin typeface="+mn-lt"/>
+                <a:ea typeface="+mn-ea"/>
+                <a:cs typeface="+mn-cs"/>
+              </a:rPr>
+              <a:t>Random Forest is a predictive modeling tool and not a descriptive tool. That means, if you are looking for a description of the relationships in your data, other approaches would be preferred.</a:t>
+            </a:r>
+            <a:endParaRPr lang="en-US" dirty="0"/>
+          </a:p>
+          <a:p>
+            <a:endParaRPr lang="en-US" dirty="0"/>
           </a:p>
         </p:txBody>
       </p:sp>
@@ -2005,7 +2271,7 @@
           <a:p>
             <a:fld id="{EFDDBACE-0F8F-43FD-98F0-DEE13552DADA}" type="slidenum">
               <a:rPr lang="en-ZA" smtClean="0"/>
-              <a:t>11</a:t>
+              <a:t>10</a:t>
             </a:fld>
             <a:endParaRPr lang="en-ZA" dirty="0"/>
           </a:p>
@@ -2014,7 +2280,7 @@
     </p:spTree>
     <p:extLst>
       <p:ext uri="{BB962C8B-B14F-4D97-AF65-F5344CB8AC3E}">
-        <p14:creationId xmlns:p14="http://schemas.microsoft.com/office/powerpoint/2010/main" val="1305503430"/>
+        <p14:creationId xmlns:p14="http://schemas.microsoft.com/office/powerpoint/2010/main" val="3936153342"/>
       </p:ext>
     </p:extLst>
   </p:cSld>
@@ -21081,6 +21347,190 @@
 <file path=ppt/slides/slide12.xml><?xml version="1.0" encoding="utf-8"?>
 <p:sld xmlns:a="http://schemas.openxmlformats.org/drawingml/2006/main" xmlns:r="http://schemas.openxmlformats.org/officeDocument/2006/relationships" xmlns:p="http://schemas.openxmlformats.org/presentationml/2006/main">
   <p:cSld>
+    <p:spTree>
+      <p:nvGrpSpPr>
+        <p:cNvPr id="1" name=""/>
+        <p:cNvGrpSpPr/>
+        <p:nvPr/>
+      </p:nvGrpSpPr>
+      <p:grpSpPr>
+        <a:xfrm>
+          <a:off x="0" y="0"/>
+          <a:ext cx="0" cy="0"/>
+          <a:chOff x="0" y="0"/>
+          <a:chExt cx="0" cy="0"/>
+        </a:xfrm>
+      </p:grpSpPr>
+      <p:sp>
+        <p:nvSpPr>
+          <p:cNvPr id="18" name="Title 17">
+            <a:extLst>
+              <a:ext uri="{FF2B5EF4-FFF2-40B4-BE49-F238E27FC236}">
+                <a16:creationId xmlns:a16="http://schemas.microsoft.com/office/drawing/2014/main" id="{16B5EEA8-E5C8-4969-9796-A33602DD2C4E}"/>
+              </a:ext>
+            </a:extLst>
+          </p:cNvPr>
+          <p:cNvSpPr>
+            <a:spLocks noGrp="1"/>
+          </p:cNvSpPr>
+          <p:nvPr>
+            <p:ph type="title"/>
+          </p:nvPr>
+        </p:nvSpPr>
+        <p:spPr/>
+        <p:txBody>
+          <a:bodyPr/>
+          <a:lstStyle/>
+          <a:p>
+            <a:r>
+              <a:rPr lang="en-US" dirty="0"/>
+              <a:t>Regression</a:t>
+            </a:r>
+          </a:p>
+        </p:txBody>
+      </p:sp>
+      <p:sp>
+        <p:nvSpPr>
+          <p:cNvPr id="15" name="Slide Number Placeholder 14">
+            <a:extLst>
+              <a:ext uri="{FF2B5EF4-FFF2-40B4-BE49-F238E27FC236}">
+                <a16:creationId xmlns:a16="http://schemas.microsoft.com/office/drawing/2014/main" id="{2D8537AC-1709-4276-A342-8E8553F234AE}"/>
+              </a:ext>
+            </a:extLst>
+          </p:cNvPr>
+          <p:cNvSpPr>
+            <a:spLocks noGrp="1"/>
+          </p:cNvSpPr>
+          <p:nvPr>
+            <p:ph type="sldNum" sz="quarter" idx="14"/>
+          </p:nvPr>
+        </p:nvSpPr>
+        <p:spPr/>
+        <p:txBody>
+          <a:bodyPr/>
+          <a:lstStyle/>
+          <a:p>
+            <a:r>
+              <a:rPr lang="en-ZA"/>
+              <a:t>page </a:t>
+            </a:r>
+            <a:fld id="{19B51A1E-902D-48AF-9020-955120F399B6}" type="slidenum">
+              <a:rPr lang="en-ZA" b="1" i="1" smtClean="0"/>
+              <a:pPr/>
+              <a:t>12</a:t>
+            </a:fld>
+            <a:endParaRPr lang="en-ZA" b="1" i="1" dirty="0"/>
+          </a:p>
+        </p:txBody>
+      </p:sp>
+    </p:spTree>
+    <p:extLst>
+      <p:ext uri="{BB962C8B-B14F-4D97-AF65-F5344CB8AC3E}">
+        <p14:creationId xmlns:p14="http://schemas.microsoft.com/office/powerpoint/2010/main" val="2210051872"/>
+      </p:ext>
+    </p:extLst>
+  </p:cSld>
+  <p:clrMapOvr>
+    <a:masterClrMapping/>
+  </p:clrMapOvr>
+</p:sld>
+</file>
+
+<file path=ppt/slides/slide13.xml><?xml version="1.0" encoding="utf-8"?>
+<p:sld xmlns:a="http://schemas.openxmlformats.org/drawingml/2006/main" xmlns:r="http://schemas.openxmlformats.org/officeDocument/2006/relationships" xmlns:p="http://schemas.openxmlformats.org/presentationml/2006/main">
+  <p:cSld>
+    <p:spTree>
+      <p:nvGrpSpPr>
+        <p:cNvPr id="1" name=""/>
+        <p:cNvGrpSpPr/>
+        <p:nvPr/>
+      </p:nvGrpSpPr>
+      <p:grpSpPr>
+        <a:xfrm>
+          <a:off x="0" y="0"/>
+          <a:ext cx="0" cy="0"/>
+          <a:chOff x="0" y="0"/>
+          <a:chExt cx="0" cy="0"/>
+        </a:xfrm>
+      </p:grpSpPr>
+      <p:sp>
+        <p:nvSpPr>
+          <p:cNvPr id="2" name="Title 1">
+            <a:extLst>
+              <a:ext uri="{FF2B5EF4-FFF2-40B4-BE49-F238E27FC236}">
+                <a16:creationId xmlns:a16="http://schemas.microsoft.com/office/drawing/2014/main" id="{D89FBCFD-3B86-4B61-9233-02DF4F684CB5}"/>
+              </a:ext>
+            </a:extLst>
+          </p:cNvPr>
+          <p:cNvSpPr>
+            <a:spLocks noGrp="1"/>
+          </p:cNvSpPr>
+          <p:nvPr>
+            <p:ph type="title"/>
+          </p:nvPr>
+        </p:nvSpPr>
+        <p:spPr/>
+        <p:txBody>
+          <a:bodyPr/>
+          <a:lstStyle/>
+          <a:p>
+            <a:r>
+              <a:rPr lang="en-US" dirty="0"/>
+              <a:t>Deep Learning</a:t>
+            </a:r>
+          </a:p>
+        </p:txBody>
+      </p:sp>
+      <p:sp>
+        <p:nvSpPr>
+          <p:cNvPr id="3" name="Slide Number Placeholder 2">
+            <a:extLst>
+              <a:ext uri="{FF2B5EF4-FFF2-40B4-BE49-F238E27FC236}">
+                <a16:creationId xmlns:a16="http://schemas.microsoft.com/office/drawing/2014/main" id="{AF22E0F9-F856-449B-AC19-2F433F08F400}"/>
+              </a:ext>
+            </a:extLst>
+          </p:cNvPr>
+          <p:cNvSpPr>
+            <a:spLocks noGrp="1"/>
+          </p:cNvSpPr>
+          <p:nvPr>
+            <p:ph type="sldNum" sz="quarter" idx="14"/>
+          </p:nvPr>
+        </p:nvSpPr>
+        <p:spPr/>
+        <p:txBody>
+          <a:bodyPr/>
+          <a:lstStyle/>
+          <a:p>
+            <a:r>
+              <a:rPr lang="en-ZA"/>
+              <a:t>page </a:t>
+            </a:r>
+            <a:fld id="{19B51A1E-902D-48AF-9020-955120F399B6}" type="slidenum">
+              <a:rPr lang="en-ZA" b="1" i="1" smtClean="0"/>
+              <a:pPr/>
+              <a:t>13</a:t>
+            </a:fld>
+            <a:endParaRPr lang="en-ZA" b="1" i="1" dirty="0"/>
+          </a:p>
+        </p:txBody>
+      </p:sp>
+    </p:spTree>
+    <p:extLst>
+      <p:ext uri="{BB962C8B-B14F-4D97-AF65-F5344CB8AC3E}">
+        <p14:creationId xmlns:p14="http://schemas.microsoft.com/office/powerpoint/2010/main" val="2984632853"/>
+      </p:ext>
+    </p:extLst>
+  </p:cSld>
+  <p:clrMapOvr>
+    <a:masterClrMapping/>
+  </p:clrMapOvr>
+</p:sld>
+</file>
+
+<file path=ppt/slides/slide14.xml><?xml version="1.0" encoding="utf-8"?>
+<p:sld xmlns:a="http://schemas.openxmlformats.org/drawingml/2006/main" xmlns:r="http://schemas.openxmlformats.org/officeDocument/2006/relationships" xmlns:p="http://schemas.openxmlformats.org/presentationml/2006/main">
+  <p:cSld>
     <p:bg>
       <p:bgPr>
         <a:solidFill>
@@ -21190,7 +21640,7 @@
                   <a:spcPts val="600"/>
                 </a:spcAft>
               </a:pPr>
-              <a:t>12</a:t>
+              <a:t>14</a:t>
             </a:fld>
             <a:endParaRPr lang="en-US" sz="1200" b="1" i="1">
               <a:solidFill>
@@ -21215,8 +21665,8 @@
 </p:sld>
 </file>
 
-<file path=ppt/slides/slide13.xml><?xml version="1.0" encoding="utf-8"?>
-<p:sld xmlns:a="http://schemas.openxmlformats.org/drawingml/2006/main" xmlns:r="http://schemas.openxmlformats.org/officeDocument/2006/relationships" xmlns:p="http://schemas.openxmlformats.org/presentationml/2006/main" showMasterSp="0">
+<file path=ppt/slides/slide15.xml><?xml version="1.0" encoding="utf-8"?>
+<p:sld xmlns:a="http://schemas.openxmlformats.org/drawingml/2006/main" xmlns:r="http://schemas.openxmlformats.org/officeDocument/2006/relationships" xmlns:p="http://schemas.openxmlformats.org/presentationml/2006/main">
   <p:cSld>
     <p:spTree>
       <p:nvGrpSpPr>
@@ -21234,42 +21684,72 @@
       </p:grpSpPr>
       <p:sp>
         <p:nvSpPr>
-          <p:cNvPr id="3" name="Slide Number Placeholder 2">
-            <a:extLst>
-              <a:ext uri="{FF2B5EF4-FFF2-40B4-BE49-F238E27FC236}">
-                <a16:creationId xmlns:a16="http://schemas.microsoft.com/office/drawing/2014/main" id="{87D3768A-5307-49F8-B634-ACCA9B7C4886}"/>
-              </a:ext>
-            </a:extLst>
-          </p:cNvPr>
-          <p:cNvSpPr>
-            <a:spLocks noGrp="1"/>
-          </p:cNvSpPr>
-          <p:nvPr>
-            <p:ph type="sldNum" sz="quarter" idx="44"/>
-          </p:nvPr>
-        </p:nvSpPr>
-        <p:spPr/>
-        <p:txBody>
-          <a:bodyPr/>
+          <p:cNvPr id="2" name="Title 1">
+            <a:extLst>
+              <a:ext uri="{FF2B5EF4-FFF2-40B4-BE49-F238E27FC236}">
+                <a16:creationId xmlns:a16="http://schemas.microsoft.com/office/drawing/2014/main" id="{E060153B-F361-47B2-AA67-B6A926A80A5D}"/>
+              </a:ext>
+            </a:extLst>
+          </p:cNvPr>
+          <p:cNvSpPr>
+            <a:spLocks noGrp="1"/>
+          </p:cNvSpPr>
+          <p:nvPr>
+            <p:ph type="ctrTitle"/>
+          </p:nvPr>
+        </p:nvSpPr>
+        <p:spPr>
+          <a:xfrm>
+            <a:off x="1069848" y="4590661"/>
+            <a:ext cx="10210862" cy="1065690"/>
+          </a:xfrm>
+        </p:spPr>
+        <p:txBody>
+          <a:bodyPr>
+            <a:normAutofit/>
+          </a:bodyPr>
           <a:lstStyle/>
           <a:p>
             <a:r>
-              <a:rPr lang="en-ZA" dirty="0"/>
-              <a:t>page </a:t>
-            </a:r>
-            <a:fld id="{19B51A1E-902D-48AF-9020-955120F399B6}" type="slidenum">
-              <a:rPr lang="en-ZA" smtClean="0"/>
-              <a:pPr/>
-              <a:t>13</a:t>
-            </a:fld>
-            <a:endParaRPr lang="en-ZA" dirty="0"/>
-          </a:p>
-        </p:txBody>
-      </p:sp>
+              <a:rPr lang="en-US" sz="5000" dirty="0"/>
+              <a:t>Readmission Rates Analysis on Dialysis</a:t>
+            </a:r>
+          </a:p>
+        </p:txBody>
+      </p:sp>
+      <p:pic>
+        <p:nvPicPr>
+          <p:cNvPr id="4" name="Picture 3" descr="A close up of a persons face&#10;&#10;Description automatically generated">
+            <a:extLst>
+              <a:ext uri="{FF2B5EF4-FFF2-40B4-BE49-F238E27FC236}">
+                <a16:creationId xmlns:a16="http://schemas.microsoft.com/office/drawing/2014/main" id="{00AF8472-1CF1-48DF-AA72-3ED759272C63}"/>
+              </a:ext>
+            </a:extLst>
+          </p:cNvPr>
+          <p:cNvPicPr>
+            <a:picLocks noChangeAspect="1"/>
+          </p:cNvPicPr>
+          <p:nvPr/>
+        </p:nvPicPr>
+        <p:blipFill rotWithShape="1">
+          <a:blip r:embed="rId2"/>
+          <a:srcRect r="558" b="2"/>
+          <a:stretch/>
+        </p:blipFill>
+        <p:spPr>
+          <a:xfrm>
+            <a:off x="1069847" y="484632"/>
+            <a:ext cx="10637520" cy="3556755"/>
+          </a:xfrm>
+          <a:prstGeom prst="rect">
+            <a:avLst/>
+          </a:prstGeom>
+        </p:spPr>
+      </p:pic>
     </p:spTree>
     <p:extLst>
       <p:ext uri="{BB962C8B-B14F-4D97-AF65-F5344CB8AC3E}">
-        <p14:creationId xmlns:p14="http://schemas.microsoft.com/office/powerpoint/2010/main" val="2690967490"/>
+        <p14:creationId xmlns:p14="http://schemas.microsoft.com/office/powerpoint/2010/main" val="3543475260"/>
       </p:ext>
     </p:extLst>
   </p:cSld>
@@ -21279,7 +21759,385 @@
 </p:sld>
 </file>
 
-<file path=ppt/slides/slide14.xml><?xml version="1.0" encoding="utf-8"?>
+<file path=ppt/slides/slide16.xml><?xml version="1.0" encoding="utf-8"?>
+<p:sld xmlns:a="http://schemas.openxmlformats.org/drawingml/2006/main" xmlns:r="http://schemas.openxmlformats.org/officeDocument/2006/relationships" xmlns:p="http://schemas.openxmlformats.org/presentationml/2006/main">
+  <p:cSld>
+    <p:spTree>
+      <p:nvGrpSpPr>
+        <p:cNvPr id="1" name=""/>
+        <p:cNvGrpSpPr/>
+        <p:nvPr/>
+      </p:nvGrpSpPr>
+      <p:grpSpPr>
+        <a:xfrm>
+          <a:off x="0" y="0"/>
+          <a:ext cx="0" cy="0"/>
+          <a:chOff x="0" y="0"/>
+          <a:chExt cx="0" cy="0"/>
+        </a:xfrm>
+      </p:grpSpPr>
+      <p:sp>
+        <p:nvSpPr>
+          <p:cNvPr id="2" name="Title 1">
+            <a:extLst>
+              <a:ext uri="{FF2B5EF4-FFF2-40B4-BE49-F238E27FC236}">
+                <a16:creationId xmlns:a16="http://schemas.microsoft.com/office/drawing/2014/main" id="{A393FE3C-DCD9-4896-850D-9255C60171E9}"/>
+              </a:ext>
+            </a:extLst>
+          </p:cNvPr>
+          <p:cNvSpPr>
+            <a:spLocks noGrp="1"/>
+          </p:cNvSpPr>
+          <p:nvPr>
+            <p:ph type="title"/>
+          </p:nvPr>
+        </p:nvSpPr>
+        <p:spPr>
+          <a:xfrm>
+            <a:off x="1063691" y="4049486"/>
+            <a:ext cx="4825480" cy="1883228"/>
+          </a:xfrm>
+        </p:spPr>
+        <p:txBody>
+          <a:bodyPr>
+            <a:normAutofit/>
+          </a:bodyPr>
+          <a:lstStyle/>
+          <a:p>
+            <a:pPr algn="r"/>
+            <a:r>
+              <a:rPr lang="en-US" sz="4100"/>
+              <a:t>Conducted Machine Learning on Dialysis Data</a:t>
+            </a:r>
+          </a:p>
+        </p:txBody>
+      </p:sp>
+      <p:pic>
+        <p:nvPicPr>
+          <p:cNvPr id="30" name="Content Placeholder 20">
+            <a:extLst>
+              <a:ext uri="{FF2B5EF4-FFF2-40B4-BE49-F238E27FC236}">
+                <a16:creationId xmlns:a16="http://schemas.microsoft.com/office/drawing/2014/main" id="{6B406974-B7C4-4B30-9F73-4F6CF96698B2}"/>
+              </a:ext>
+            </a:extLst>
+          </p:cNvPr>
+          <p:cNvPicPr>
+            <a:picLocks noChangeAspect="1"/>
+          </p:cNvPicPr>
+          <p:nvPr/>
+        </p:nvPicPr>
+        <p:blipFill>
+          <a:blip r:embed="rId2"/>
+          <a:stretch>
+            <a:fillRect/>
+          </a:stretch>
+        </p:blipFill>
+        <p:spPr>
+          <a:xfrm>
+            <a:off x="309244" y="1214056"/>
+            <a:ext cx="5786756" cy="2575105"/>
+          </a:xfrm>
+          <a:prstGeom prst="rect">
+            <a:avLst/>
+          </a:prstGeom>
+        </p:spPr>
+      </p:pic>
+      <p:pic>
+        <p:nvPicPr>
+          <p:cNvPr id="22" name="Content Placeholder 18">
+            <a:extLst>
+              <a:ext uri="{FF2B5EF4-FFF2-40B4-BE49-F238E27FC236}">
+                <a16:creationId xmlns:a16="http://schemas.microsoft.com/office/drawing/2014/main" id="{F4F05533-48BC-4D9F-B093-B7C488824D3D}"/>
+              </a:ext>
+            </a:extLst>
+          </p:cNvPr>
+          <p:cNvPicPr>
+            <a:picLocks noChangeAspect="1"/>
+          </p:cNvPicPr>
+          <p:nvPr/>
+        </p:nvPicPr>
+        <p:blipFill rotWithShape="1">
+          <a:blip r:embed="rId3"/>
+          <a:srcRect r="42194" b="-1"/>
+          <a:stretch/>
+        </p:blipFill>
+        <p:spPr>
+          <a:xfrm>
+            <a:off x="6338317" y="1214056"/>
+            <a:ext cx="5482697" cy="4718658"/>
+          </a:xfrm>
+          <a:prstGeom prst="rect">
+            <a:avLst/>
+          </a:prstGeom>
+        </p:spPr>
+      </p:pic>
+      <p:sp>
+        <p:nvSpPr>
+          <p:cNvPr id="23" name="Arrow: Up 22">
+            <a:extLst>
+              <a:ext uri="{FF2B5EF4-FFF2-40B4-BE49-F238E27FC236}">
+                <a16:creationId xmlns:a16="http://schemas.microsoft.com/office/drawing/2014/main" id="{B0334721-8C98-492F-BB09-48813142147E}"/>
+              </a:ext>
+            </a:extLst>
+          </p:cNvPr>
+          <p:cNvSpPr/>
+          <p:nvPr/>
+        </p:nvSpPr>
+        <p:spPr>
+          <a:xfrm>
+            <a:off x="3132965" y="912405"/>
+            <a:ext cx="650240" cy="483673"/>
+          </a:xfrm>
+          <a:prstGeom prst="upArrow">
+            <a:avLst/>
+          </a:prstGeom>
+        </p:spPr>
+        <p:style>
+          <a:lnRef idx="2">
+            <a:schemeClr val="accent1">
+              <a:shade val="50000"/>
+            </a:schemeClr>
+          </a:lnRef>
+          <a:fillRef idx="1">
+            <a:schemeClr val="accent1"/>
+          </a:fillRef>
+          <a:effectRef idx="0">
+            <a:schemeClr val="accent1"/>
+          </a:effectRef>
+          <a:fontRef idx="minor">
+            <a:schemeClr val="lt1"/>
+          </a:fontRef>
+        </p:style>
+        <p:txBody>
+          <a:bodyPr rtlCol="0" anchor="ctr"/>
+          <a:lstStyle/>
+          <a:p>
+            <a:pPr algn="ctr"/>
+            <a:endParaRPr lang="en-US"/>
+          </a:p>
+        </p:txBody>
+      </p:sp>
+      <p:sp>
+        <p:nvSpPr>
+          <p:cNvPr id="25" name="TextBox 24">
+            <a:extLst>
+              <a:ext uri="{FF2B5EF4-FFF2-40B4-BE49-F238E27FC236}">
+                <a16:creationId xmlns:a16="http://schemas.microsoft.com/office/drawing/2014/main" id="{A9A13346-4B0C-4502-9AF3-7F73B4495B9B}"/>
+              </a:ext>
+            </a:extLst>
+          </p:cNvPr>
+          <p:cNvSpPr txBox="1"/>
+          <p:nvPr/>
+        </p:nvSpPr>
+        <p:spPr>
+          <a:xfrm>
+            <a:off x="2207192" y="553573"/>
+            <a:ext cx="2538477" cy="369332"/>
+          </a:xfrm>
+          <a:prstGeom prst="rect">
+            <a:avLst/>
+          </a:prstGeom>
+          <a:noFill/>
+        </p:spPr>
+        <p:txBody>
+          <a:bodyPr wrap="square" rtlCol="0">
+            <a:spAutoFit/>
+          </a:bodyPr>
+          <a:lstStyle/>
+          <a:p>
+            <a:r>
+              <a:rPr lang="en-US" dirty="0"/>
+              <a:t>Features for comparison</a:t>
+            </a:r>
+          </a:p>
+        </p:txBody>
+      </p:sp>
+    </p:spTree>
+    <p:extLst>
+      <p:ext uri="{BB962C8B-B14F-4D97-AF65-F5344CB8AC3E}">
+        <p14:creationId xmlns:p14="http://schemas.microsoft.com/office/powerpoint/2010/main" val="1594666511"/>
+      </p:ext>
+    </p:extLst>
+  </p:cSld>
+  <p:clrMapOvr>
+    <a:masterClrMapping/>
+  </p:clrMapOvr>
+</p:sld>
+</file>
+
+<file path=ppt/slides/slide17.xml><?xml version="1.0" encoding="utf-8"?>
+<p:sld xmlns:a="http://schemas.openxmlformats.org/drawingml/2006/main" xmlns:r="http://schemas.openxmlformats.org/officeDocument/2006/relationships" xmlns:p="http://schemas.openxmlformats.org/presentationml/2006/main">
+  <p:cSld>
+    <p:spTree>
+      <p:nvGrpSpPr>
+        <p:cNvPr id="1" name=""/>
+        <p:cNvGrpSpPr/>
+        <p:nvPr/>
+      </p:nvGrpSpPr>
+      <p:grpSpPr>
+        <a:xfrm>
+          <a:off x="0" y="0"/>
+          <a:ext cx="0" cy="0"/>
+          <a:chOff x="0" y="0"/>
+          <a:chExt cx="0" cy="0"/>
+        </a:xfrm>
+      </p:grpSpPr>
+      <p:sp>
+        <p:nvSpPr>
+          <p:cNvPr id="2" name="Title 1">
+            <a:extLst>
+              <a:ext uri="{FF2B5EF4-FFF2-40B4-BE49-F238E27FC236}">
+                <a16:creationId xmlns:a16="http://schemas.microsoft.com/office/drawing/2014/main" id="{2132EE1D-1420-4184-BA91-3D80F1655257}"/>
+              </a:ext>
+            </a:extLst>
+          </p:cNvPr>
+          <p:cNvSpPr>
+            <a:spLocks noGrp="1"/>
+          </p:cNvSpPr>
+          <p:nvPr>
+            <p:ph type="title"/>
+          </p:nvPr>
+        </p:nvSpPr>
+        <p:spPr>
+          <a:xfrm>
+            <a:off x="289933" y="289931"/>
+            <a:ext cx="7109744" cy="3139069"/>
+          </a:xfrm>
+        </p:spPr>
+        <p:txBody>
+          <a:bodyPr>
+            <a:normAutofit/>
+          </a:bodyPr>
+          <a:lstStyle/>
+          <a:p>
+            <a:r>
+              <a:rPr lang="en-US" sz="3300" dirty="0"/>
+              <a:t>Accuracy tests run on all models indicate almost similar scores</a:t>
+            </a:r>
+            <a:br>
+              <a:rPr lang="en-US" sz="3300" dirty="0"/>
+            </a:br>
+            <a:br>
+              <a:rPr lang="en-US" sz="3300" dirty="0"/>
+            </a:br>
+            <a:r>
+              <a:rPr lang="en-US" sz="3600" i="1" dirty="0">
+                <a:solidFill>
+                  <a:schemeClr val="accent6">
+                    <a:lumMod val="50000"/>
+                  </a:schemeClr>
+                </a:solidFill>
+              </a:rPr>
+              <a:t>HGB counts ,stands as one of the significant features contributing to high readmission rates .</a:t>
+            </a:r>
+            <a:endParaRPr lang="en-US" sz="3300" dirty="0"/>
+          </a:p>
+        </p:txBody>
+      </p:sp>
+      <p:pic>
+        <p:nvPicPr>
+          <p:cNvPr id="9" name="Picture 8" descr="A picture containing animal&#10;&#10;Description automatically generated">
+            <a:extLst>
+              <a:ext uri="{FF2B5EF4-FFF2-40B4-BE49-F238E27FC236}">
+                <a16:creationId xmlns:a16="http://schemas.microsoft.com/office/drawing/2014/main" id="{CF2F7B7F-6A51-4C48-833B-73CD27BD5EC6}"/>
+              </a:ext>
+            </a:extLst>
+          </p:cNvPr>
+          <p:cNvPicPr>
+            <a:picLocks noChangeAspect="1"/>
+          </p:cNvPicPr>
+          <p:nvPr/>
+        </p:nvPicPr>
+        <p:blipFill>
+          <a:blip r:embed="rId2"/>
+          <a:stretch>
+            <a:fillRect/>
+          </a:stretch>
+        </p:blipFill>
+        <p:spPr>
+          <a:xfrm>
+            <a:off x="289932" y="3466248"/>
+            <a:ext cx="7109745" cy="2986092"/>
+          </a:xfrm>
+          <a:prstGeom prst="rect">
+            <a:avLst/>
+          </a:prstGeom>
+        </p:spPr>
+      </p:pic>
+      <p:pic>
+        <p:nvPicPr>
+          <p:cNvPr id="10" name="Content Placeholder 4" descr="A screenshot of a cell phone&#10;&#10;Description automatically generated">
+            <a:extLst>
+              <a:ext uri="{FF2B5EF4-FFF2-40B4-BE49-F238E27FC236}">
+                <a16:creationId xmlns:a16="http://schemas.microsoft.com/office/drawing/2014/main" id="{3BD21E7F-1CA0-4E1C-92B6-FD7CD7563423}"/>
+              </a:ext>
+            </a:extLst>
+          </p:cNvPr>
+          <p:cNvPicPr>
+            <a:picLocks noChangeAspect="1"/>
+          </p:cNvPicPr>
+          <p:nvPr/>
+        </p:nvPicPr>
+        <p:blipFill>
+          <a:blip r:embed="rId3"/>
+          <a:stretch>
+            <a:fillRect/>
+          </a:stretch>
+        </p:blipFill>
+        <p:spPr>
+          <a:xfrm>
+            <a:off x="7543753" y="289931"/>
+            <a:ext cx="4494029" cy="2996020"/>
+          </a:xfrm>
+          <a:prstGeom prst="rect">
+            <a:avLst/>
+          </a:prstGeom>
+        </p:spPr>
+      </p:pic>
+      <p:pic>
+        <p:nvPicPr>
+          <p:cNvPr id="7" name="Picture 6">
+            <a:extLst>
+              <a:ext uri="{FF2B5EF4-FFF2-40B4-BE49-F238E27FC236}">
+                <a16:creationId xmlns:a16="http://schemas.microsoft.com/office/drawing/2014/main" id="{E5985DF4-DB04-4711-8A5F-F3E8C7573164}"/>
+              </a:ext>
+            </a:extLst>
+          </p:cNvPr>
+          <p:cNvPicPr>
+            <a:picLocks noChangeAspect="1"/>
+          </p:cNvPicPr>
+          <p:nvPr/>
+        </p:nvPicPr>
+        <p:blipFill>
+          <a:blip r:embed="rId4"/>
+          <a:stretch>
+            <a:fillRect/>
+          </a:stretch>
+        </p:blipFill>
+        <p:spPr>
+          <a:xfrm>
+            <a:off x="7543753" y="3466248"/>
+            <a:ext cx="4479137" cy="2986092"/>
+          </a:xfrm>
+          <a:prstGeom prst="rect">
+            <a:avLst/>
+          </a:prstGeom>
+        </p:spPr>
+      </p:pic>
+    </p:spTree>
+    <p:extLst>
+      <p:ext uri="{BB962C8B-B14F-4D97-AF65-F5344CB8AC3E}">
+        <p14:creationId xmlns:p14="http://schemas.microsoft.com/office/powerpoint/2010/main" val="3271901088"/>
+      </p:ext>
+    </p:extLst>
+  </p:cSld>
+  <p:clrMapOvr>
+    <a:masterClrMapping/>
+  </p:clrMapOvr>
+</p:sld>
+</file>
+
+<file path=ppt/slides/slide18.xml><?xml version="1.0" encoding="utf-8"?>
 <p:sld xmlns:a="http://schemas.openxmlformats.org/drawingml/2006/main" xmlns:r="http://schemas.openxmlformats.org/officeDocument/2006/relationships" xmlns:p="http://schemas.openxmlformats.org/presentationml/2006/main" showMasterSp="0">
   <p:cSld>
     <p:spTree>
@@ -21325,7 +22183,12 @@
             <a:fillRect/>
           </a:stretch>
         </p:blipFill>
-        <p:spPr/>
+        <p:spPr>
+          <a:xfrm>
+            <a:off x="6177776" y="136525"/>
+            <a:ext cx="4776284" cy="6584950"/>
+          </a:xfrm>
+        </p:spPr>
       </p:pic>
       <p:sp>
         <p:nvSpPr>
@@ -21341,8 +22204,8 @@
         </p:nvSpPr>
         <p:spPr bwMode="invGray">
           <a:xfrm rot="5400000">
-            <a:off x="4823394" y="590809"/>
-            <a:ext cx="6584950" cy="5676382"/>
+            <a:off x="5273443" y="1040858"/>
+            <a:ext cx="6584950" cy="4776284"/>
           </a:xfrm>
           <a:prstGeom prst="rect">
             <a:avLst/>
@@ -21399,29 +22262,50 @@
         </p:nvSpPr>
         <p:spPr>
           <a:xfrm>
-            <a:off x="432001" y="136525"/>
-            <a:ext cx="4444800" cy="6266691"/>
+            <a:off x="156117" y="136525"/>
+            <a:ext cx="5858108" cy="6584168"/>
           </a:xfrm>
         </p:spPr>
         <p:txBody>
           <a:bodyPr/>
           <a:lstStyle/>
           <a:p>
+            <a:pPr marL="0" indent="0">
+              <a:buNone/>
+            </a:pPr>
             <a:r>
               <a:rPr lang="en-ZA" sz="2800" dirty="0"/>
-              <a:t>Medicare beneficiaries at home health facilities have consistent risk levels</a:t>
-            </a:r>
-          </a:p>
-          <a:p>
+              <a:t>Medicare beneficiaries at home health facilities have consistent risk levels, with a few outliers.</a:t>
+            </a:r>
+          </a:p>
+          <a:p>
+            <a:pPr marL="0" indent="0">
+              <a:buNone/>
+            </a:pPr>
+            <a:endParaRPr lang="en-ZA" sz="2800" dirty="0"/>
+          </a:p>
+          <a:p>
+            <a:pPr marL="0" indent="0">
+              <a:buNone/>
+            </a:pPr>
             <a:r>
               <a:rPr lang="en-ZA" sz="2800" dirty="0"/>
-              <a:t>Facilities with higher HCC scores have higher populations of chronic illnesses and should require additional funding for managing these populations</a:t>
-            </a:r>
-          </a:p>
-          <a:p>
+              <a:t>Facilities with higher HCC scores have higher populations of chronic illnesses and should require additional funding for managing these populations.</a:t>
+            </a:r>
+          </a:p>
+          <a:p>
+            <a:pPr marL="0" indent="0">
+              <a:buNone/>
+            </a:pPr>
+            <a:endParaRPr lang="en-ZA" sz="2800" dirty="0"/>
+          </a:p>
+          <a:p>
+            <a:pPr marL="0" indent="0">
+              <a:buNone/>
+            </a:pPr>
             <a:r>
               <a:rPr lang="en-ZA" sz="2800" dirty="0"/>
-              <a:t>Consider alternative methods of treatment for low risk beneficiaries at home health facilities</a:t>
+              <a:t>Consider alternative methods of treatment for low risk beneficiaries at home health facilities.</a:t>
             </a:r>
           </a:p>
         </p:txBody>
@@ -21482,7 +22366,7 @@
             <a:fld id="{19B51A1E-902D-48AF-9020-955120F399B6}" type="slidenum">
               <a:rPr lang="en-ZA" b="1" i="1" smtClean="0"/>
               <a:pPr/>
-              <a:t>14</a:t>
+              <a:t>18</a:t>
             </a:fld>
             <a:endParaRPr lang="en-ZA" b="1" i="1" dirty="0"/>
           </a:p>
@@ -21501,7 +22385,7 @@
 </p:sld>
 </file>
 
-<file path=ppt/slides/slide15.xml><?xml version="1.0" encoding="utf-8"?>
+<file path=ppt/slides/slide19.xml><?xml version="1.0" encoding="utf-8"?>
 <p:sld xmlns:a="http://schemas.openxmlformats.org/drawingml/2006/main" xmlns:r="http://schemas.openxmlformats.org/officeDocument/2006/relationships" xmlns:p="http://schemas.openxmlformats.org/presentationml/2006/main" showMasterSp="0">
   <p:cSld>
     <p:spTree>
@@ -21631,7 +22515,7 @@
             <a:fld id="{19B51A1E-902D-48AF-9020-955120F399B6}" type="slidenum">
               <a:rPr lang="en-ZA" smtClean="0"/>
               <a:pPr/>
-              <a:t>15</a:t>
+              <a:t>19</a:t>
             </a:fld>
             <a:endParaRPr lang="en-ZA" dirty="0"/>
           </a:p>
@@ -21722,7 +22606,7 @@
           </p:nvPr>
         </p:nvPicPr>
         <p:blipFill rotWithShape="1">
-          <a:blip r:embed="rId2" cstate="screen">
+          <a:blip r:embed="rId3" cstate="screen">
             <a:extLst>
               <a:ext uri="{28A0092B-C50C-407E-A947-70E740481C1C}">
                 <a14:useLocalDpi xmlns:a14="http://schemas.microsoft.com/office/drawing/2010/main"/>
@@ -23951,10 +24835,10 @@
       </p:sp>
       <p:pic>
         <p:nvPicPr>
-          <p:cNvPr id="32" name="Picture 31" descr="A screenshot of a social media post&#10;&#10;Description automatically generated">
-            <a:extLst>
-              <a:ext uri="{FF2B5EF4-FFF2-40B4-BE49-F238E27FC236}">
-                <a16:creationId xmlns:a16="http://schemas.microsoft.com/office/drawing/2014/main" id="{738CA282-613C-4813-BF1C-C5E455137148}"/>
+          <p:cNvPr id="4" name="Picture 3" descr="A screenshot of a cell phone&#10;&#10;Description automatically generated">
+            <a:extLst>
+              <a:ext uri="{FF2B5EF4-FFF2-40B4-BE49-F238E27FC236}">
+                <a16:creationId xmlns:a16="http://schemas.microsoft.com/office/drawing/2014/main" id="{F0D9EC1E-B8AD-4081-B775-0CE8556D1279}"/>
               </a:ext>
             </a:extLst>
           </p:cNvPr>
@@ -23963,124 +24847,21 @@
           </p:cNvPicPr>
           <p:nvPr/>
         </p:nvPicPr>
-        <p:blipFill>
+        <p:blipFill rotWithShape="1">
           <a:blip r:embed="rId4"/>
-          <a:stretch>
-            <a:fillRect/>
-          </a:stretch>
+          <a:srcRect t="9918" r="12880"/>
+          <a:stretch/>
         </p:blipFill>
         <p:spPr>
           <a:xfrm>
-            <a:off x="175847" y="229802"/>
-            <a:ext cx="4130404" cy="3814660"/>
+            <a:off x="166340" y="604874"/>
+            <a:ext cx="6325700" cy="5606354"/>
           </a:xfrm>
           <a:prstGeom prst="rect">
             <a:avLst/>
           </a:prstGeom>
         </p:spPr>
       </p:pic>
-      <p:pic>
-        <p:nvPicPr>
-          <p:cNvPr id="29" name="Picture 28" descr="A screenshot of a social media post&#10;&#10;Description automatically generated">
-            <a:extLst>
-              <a:ext uri="{FF2B5EF4-FFF2-40B4-BE49-F238E27FC236}">
-                <a16:creationId xmlns:a16="http://schemas.microsoft.com/office/drawing/2014/main" id="{F8396E1F-6F07-42EB-BDC7-28D761E7A3E0}"/>
-              </a:ext>
-            </a:extLst>
-          </p:cNvPr>
-          <p:cNvPicPr>
-            <a:picLocks noChangeAspect="1"/>
-          </p:cNvPicPr>
-          <p:nvPr/>
-        </p:nvPicPr>
-        <p:blipFill>
-          <a:blip r:embed="rId5"/>
-          <a:stretch>
-            <a:fillRect/>
-          </a:stretch>
-        </p:blipFill>
-        <p:spPr>
-          <a:xfrm>
-            <a:off x="2863327" y="2549646"/>
-            <a:ext cx="3777724" cy="3814659"/>
-          </a:xfrm>
-          <a:prstGeom prst="rect">
-            <a:avLst/>
-          </a:prstGeom>
-        </p:spPr>
-      </p:pic>
-      <p:sp>
-        <p:nvSpPr>
-          <p:cNvPr id="34" name="TextBox 33">
-            <a:extLst>
-              <a:ext uri="{FF2B5EF4-FFF2-40B4-BE49-F238E27FC236}">
-                <a16:creationId xmlns:a16="http://schemas.microsoft.com/office/drawing/2014/main" id="{072E7D0F-E3EC-4692-8C35-14178C21331D}"/>
-              </a:ext>
-            </a:extLst>
-          </p:cNvPr>
-          <p:cNvSpPr txBox="1"/>
-          <p:nvPr/>
-        </p:nvSpPr>
-        <p:spPr>
-          <a:xfrm>
-            <a:off x="4381673" y="872221"/>
-            <a:ext cx="1828800" cy="369332"/>
-          </a:xfrm>
-          <a:prstGeom prst="rect">
-            <a:avLst/>
-          </a:prstGeom>
-          <a:noFill/>
-        </p:spPr>
-        <p:txBody>
-          <a:bodyPr wrap="square" rtlCol="0">
-            <a:spAutoFit/>
-          </a:bodyPr>
-          <a:lstStyle/>
-          <a:p>
-            <a:pPr algn="ctr"/>
-            <a:r>
-              <a:rPr lang="en-US" dirty="0"/>
-              <a:t>Deep Learning</a:t>
-            </a:r>
-          </a:p>
-        </p:txBody>
-      </p:sp>
-      <p:sp>
-        <p:nvSpPr>
-          <p:cNvPr id="38" name="TextBox 37">
-            <a:extLst>
-              <a:ext uri="{FF2B5EF4-FFF2-40B4-BE49-F238E27FC236}">
-                <a16:creationId xmlns:a16="http://schemas.microsoft.com/office/drawing/2014/main" id="{56AEFC56-D28B-4F23-9CC3-B15969EA3717}"/>
-              </a:ext>
-            </a:extLst>
-          </p:cNvPr>
-          <p:cNvSpPr txBox="1"/>
-          <p:nvPr/>
-        </p:nvSpPr>
-        <p:spPr>
-          <a:xfrm>
-            <a:off x="1022245" y="4456975"/>
-            <a:ext cx="1828800" cy="369332"/>
-          </a:xfrm>
-          <a:prstGeom prst="rect">
-            <a:avLst/>
-          </a:prstGeom>
-          <a:noFill/>
-        </p:spPr>
-        <p:txBody>
-          <a:bodyPr wrap="square" rtlCol="0">
-            <a:spAutoFit/>
-          </a:bodyPr>
-          <a:lstStyle/>
-          <a:p>
-            <a:pPr algn="ctr"/>
-            <a:r>
-              <a:rPr lang="en-US" dirty="0"/>
-              <a:t>Regression</a:t>
-            </a:r>
-          </a:p>
-        </p:txBody>
-      </p:sp>
     </p:spTree>
     <p:extLst>
       <p:ext uri="{BB962C8B-B14F-4D97-AF65-F5344CB8AC3E}">
@@ -24159,7 +24940,7 @@
         </p:nvSpPr>
         <p:spPr>
           <a:xfrm>
-            <a:off x="4042572" y="261039"/>
+            <a:off x="1509919" y="197437"/>
             <a:ext cx="4106855" cy="1384995"/>
           </a:xfrm>
           <a:prstGeom prst="rect">
@@ -24210,8 +24991,8 @@
         </p:nvGrpSpPr>
         <p:grpSpPr>
           <a:xfrm>
-            <a:off x="7482469" y="2932771"/>
-            <a:ext cx="4653776" cy="2279195"/>
+            <a:off x="7268697" y="3972015"/>
+            <a:ext cx="4785731" cy="2326036"/>
             <a:chOff x="389364" y="164122"/>
             <a:chExt cx="5257800" cy="2414239"/>
           </a:xfrm>
@@ -24289,8 +25070,8 @@
         </p:nvGrpSpPr>
         <p:grpSpPr>
           <a:xfrm>
-            <a:off x="55754" y="1848581"/>
-            <a:ext cx="7362174" cy="4927867"/>
+            <a:off x="55754" y="1634018"/>
+            <a:ext cx="6983221" cy="5086675"/>
             <a:chOff x="55754" y="1848581"/>
             <a:chExt cx="7362174" cy="4927867"/>
           </a:xfrm>
@@ -24416,6 +25197,36 @@
           </p:spPr>
         </p:pic>
       </p:grpSp>
+      <p:pic>
+        <p:nvPicPr>
+          <p:cNvPr id="4" name="Picture 3">
+            <a:extLst>
+              <a:ext uri="{FF2B5EF4-FFF2-40B4-BE49-F238E27FC236}">
+                <a16:creationId xmlns:a16="http://schemas.microsoft.com/office/drawing/2014/main" id="{761CD461-16BC-4D2D-B38C-3AFE7A9E4BD6}"/>
+              </a:ext>
+            </a:extLst>
+          </p:cNvPr>
+          <p:cNvPicPr>
+            <a:picLocks noChangeAspect="1"/>
+          </p:cNvPicPr>
+          <p:nvPr/>
+        </p:nvPicPr>
+        <p:blipFill>
+          <a:blip r:embed="rId8"/>
+          <a:stretch>
+            <a:fillRect/>
+          </a:stretch>
+        </p:blipFill>
+        <p:spPr>
+          <a:xfrm>
+            <a:off x="7719855" y="292687"/>
+            <a:ext cx="3883414" cy="3616266"/>
+          </a:xfrm>
+          <a:prstGeom prst="rect">
+            <a:avLst/>
+          </a:prstGeom>
+        </p:spPr>
+      </p:pic>
     </p:spTree>
     <p:extLst>
       <p:ext uri="{BB962C8B-B14F-4D97-AF65-F5344CB8AC3E}">

--- a/Final Project Presentation.pptx
+++ b/Final Project Presentation.pptx
@@ -1517,7 +1517,10 @@
           <a:bodyPr/>
           <a:lstStyle/>
           <a:p>
-            <a:endParaRPr lang="en-US" dirty="0"/>
+            <a:r>
+              <a:rPr lang="en-US" dirty="0"/>
+              <a:t>ERICA</a:t>
+            </a:r>
           </a:p>
         </p:txBody>
       </p:sp>
